--- a/story of barter system story pj_76.pptx
+++ b/story of barter system story pj_76.pptx
@@ -5639,7 +5639,7 @@
           <a:p>
             <a:r>
               <a:rPr lang="en-IN" sz="2900" dirty="0"/>
-              <a:t>● As an administrator, I want to restrict book requests to only one active item request per user so that users one request is fulfilled before they can make another request</a:t>
+              <a:t>● As an administrator, I want to restrict item requests to only one active item request per user so that users one request is fulfilled before they can make another request</a:t>
             </a:r>
           </a:p>
         </p:txBody>
@@ -5741,8 +5741,8 @@
         </p:nvSpPr>
         <p:spPr>
           <a:xfrm>
-            <a:off x="1812619" y="515565"/>
-            <a:ext cx="9062903" cy="1527243"/>
+            <a:off x="1728643" y="151672"/>
+            <a:ext cx="6006435" cy="1527243"/>
           </a:xfrm>
         </p:spPr>
         <p:txBody>
@@ -5753,7 +5753,7 @@
           <a:p>
             <a:r>
               <a:rPr lang="en-IN" sz="9600" dirty="0"/>
-              <a:t>user</a:t>
+              <a:t>requester</a:t>
             </a:r>
           </a:p>
         </p:txBody>
@@ -5788,31 +5788,25 @@
           <a:p>
             <a:r>
               <a:rPr lang="en-IN" sz="1800" dirty="0"/>
-              <a:t>USER (Someone requesting the book) </a:t>
+              <a:t>● As a requester, I want to request for a any thing of my choice by filling up a form so that I can display information about me and why I want to take a particular thing.</a:t>
             </a:r>
           </a:p>
           <a:p>
             <a:r>
               <a:rPr lang="en-IN" sz="1800" dirty="0"/>
-              <a:t>● As a user, I want to request for a any thing of my choice by filling up a form so that I can display information about me and why I want to read a particular thing.</a:t>
+              <a:t> ● As a requester, I want to receive a notification is someone has sent me a item so that I know that my request has been responded to. </a:t>
             </a:r>
           </a:p>
           <a:p>
             <a:r>
               <a:rPr lang="en-IN" sz="1800" dirty="0"/>
-              <a:t> ● As a user, I want to receive a notification is someone has sent me a item so that I know that my request has been responded to. </a:t>
+              <a:t>● As a requester, I want to confirm that I have received a item that the donor knows that their item has reached the user. </a:t>
             </a:r>
           </a:p>
           <a:p>
             <a:r>
               <a:rPr lang="en-IN" sz="1800" dirty="0"/>
-              <a:t>● As a user, I want to confirm that I have received a item that the donor knows that their item has reached the user. </a:t>
-            </a:r>
-          </a:p>
-          <a:p>
-            <a:r>
-              <a:rPr lang="en-IN" sz="1800" dirty="0"/>
-              <a:t>● As a user, I would like to thank the thing donor so that they know the gratitude I feel for them.</a:t>
+              <a:t>● As a requester, I would like to thank the thing donor so that they know the gratitude I feel for them.</a:t>
             </a:r>
           </a:p>
         </p:txBody>
@@ -5964,7 +5958,7 @@
           <a:p>
             <a:r>
               <a:rPr lang="en-IN" sz="1600" dirty="0"/>
-              <a:t>● As a item donor, I want to look at all the active book requests by different people so that I can read details on why someone wants to read that item.</a:t>
+              <a:t>● As a item donor, I want to look at all the active of item requests by different people so that I can read details on why someone wants to take that item.</a:t>
             </a:r>
           </a:p>
           <a:p>
